--- a/lectures/Chapter1/Introduction.pptx
+++ b/lectures/Chapter1/Introduction.pptx
@@ -277,14 +277,6 @@
 </p:presentation>
 </file>
 
-<file path=ppt/revisionInfo.xml><?xml version="1.0" encoding="utf-8"?>
-<p1510:revInfo xmlns:a="http://schemas.openxmlformats.org/drawingml/2006/main" xmlns:r="http://schemas.openxmlformats.org/officeDocument/2006/relationships" xmlns:p1510="http://schemas.microsoft.com/office/powerpoint/2015/10/main">
-  <p1510:revLst>
-    <p1510:client id="{7E05FD5E-BAFC-435E-AAD3-0C3110EC6EE9}" v="4" dt="2023-01-02T06:42:47.501"/>
-  </p1510:revLst>
-</p1510:revInfo>
-</file>
-
 <file path=ppt/changesInfos/changesInfo1.xml><?xml version="1.0" encoding="utf-8"?>
 <pc:chgInfo xmlns:a="http://schemas.openxmlformats.org/drawingml/2006/main" xmlns:r="http://schemas.openxmlformats.org/officeDocument/2006/relationships" xmlns:ac="http://schemas.microsoft.com/office/drawing/2013/main/command" xmlns:pc="http://schemas.microsoft.com/office/powerpoint/2013/main/command">
   <pc:docChgLst>
@@ -330,6 +322,61 @@
           </pc:sldLayoutMkLst>
         </pc:sldLayoutChg>
       </pc:sldMasterChg>
+    </pc:docChg>
+  </pc:docChgLst>
+  <pc:docChgLst>
+    <pc:chgData name="Jan Schaffranek" userId="185de13651d64d23" providerId="LiveId" clId="{77595920-4894-44A7-8942-E9068E893DDA}"/>
+    <pc:docChg chg="custSel modSld">
+      <pc:chgData name="Jan Schaffranek" userId="185de13651d64d23" providerId="LiveId" clId="{77595920-4894-44A7-8942-E9068E893DDA}" dt="2023-10-26T06:01:30.194" v="64" actId="20577"/>
+      <pc:docMkLst>
+        <pc:docMk/>
+      </pc:docMkLst>
+      <pc:sldChg chg="modSp mod">
+        <pc:chgData name="Jan Schaffranek" userId="185de13651d64d23" providerId="LiveId" clId="{77595920-4894-44A7-8942-E9068E893DDA}" dt="2023-10-26T06:01:30.194" v="64" actId="20577"/>
+        <pc:sldMkLst>
+          <pc:docMk/>
+          <pc:sldMk cId="1707327199" sldId="282"/>
+        </pc:sldMkLst>
+        <pc:spChg chg="mod">
+          <ac:chgData name="Jan Schaffranek" userId="185de13651d64d23" providerId="LiveId" clId="{77595920-4894-44A7-8942-E9068E893DDA}" dt="2023-10-26T06:01:30.194" v="64" actId="20577"/>
+          <ac:spMkLst>
+            <pc:docMk/>
+            <pc:sldMk cId="1707327199" sldId="282"/>
+            <ac:spMk id="3" creationId="{AB0B060E-5559-42C7-ABAB-8E27B0517E93}"/>
+          </ac:spMkLst>
+        </pc:spChg>
+      </pc:sldChg>
+      <pc:sldChg chg="addSp delSp modSp mod">
+        <pc:chgData name="Jan Schaffranek" userId="185de13651d64d23" providerId="LiveId" clId="{77595920-4894-44A7-8942-E9068E893DDA}" dt="2023-10-26T06:01:01.760" v="5" actId="1076"/>
+        <pc:sldMkLst>
+          <pc:docMk/>
+          <pc:sldMk cId="1787185965" sldId="285"/>
+        </pc:sldMkLst>
+        <pc:picChg chg="add mod">
+          <ac:chgData name="Jan Schaffranek" userId="185de13651d64d23" providerId="LiveId" clId="{77595920-4894-44A7-8942-E9068E893DDA}" dt="2023-10-26T06:01:01.760" v="5" actId="1076"/>
+          <ac:picMkLst>
+            <pc:docMk/>
+            <pc:sldMk cId="1787185965" sldId="285"/>
+            <ac:picMk id="3" creationId="{FD848E67-C4DB-6A3A-9BD7-D725E7A7F8F5}"/>
+          </ac:picMkLst>
+        </pc:picChg>
+        <pc:picChg chg="del">
+          <ac:chgData name="Jan Schaffranek" userId="185de13651d64d23" providerId="LiveId" clId="{77595920-4894-44A7-8942-E9068E893DDA}" dt="2023-10-26T06:00:57.767" v="3" actId="478"/>
+          <ac:picMkLst>
+            <pc:docMk/>
+            <pc:sldMk cId="1787185965" sldId="285"/>
+            <ac:picMk id="16" creationId="{2318660B-B241-2707-7380-C5BCA6F8309C}"/>
+          </ac:picMkLst>
+        </pc:picChg>
+        <pc:picChg chg="del">
+          <ac:chgData name="Jan Schaffranek" userId="185de13651d64d23" providerId="LiveId" clId="{77595920-4894-44A7-8942-E9068E893DDA}" dt="2023-10-26T06:00:57.251" v="2" actId="478"/>
+          <ac:picMkLst>
+            <pc:docMk/>
+            <pc:sldMk cId="1787185965" sldId="285"/>
+            <ac:picMk id="18" creationId="{64731F18-BA9D-CAC8-9C85-0F5EFEAB90EB}"/>
+          </ac:picMkLst>
+        </pc:picChg>
+      </pc:sldChg>
     </pc:docChg>
   </pc:docChgLst>
   <pc:docChgLst>
@@ -9299,6 +9346,13 @@
             <a:tailEnd type="none" w="med" len="med"/>
           </a:ln>
         </p:spPr>
+        <p:txBody>
+          <a:bodyPr/>
+          <a:lstStyle/>
+          <a:p>
+            <a:endParaRPr lang="de-DE"/>
+          </a:p>
+        </p:txBody>
       </p:sp>
     </p:spTree>
     <p:extLst>
@@ -9408,10 +9462,10 @@
       </p:sp>
       <p:pic>
         <p:nvPicPr>
-          <p:cNvPr id="16" name="Grafik 15">
+          <p:cNvPr id="3" name="Grafik 2">
             <a:extLst>
               <a:ext uri="{FF2B5EF4-FFF2-40B4-BE49-F238E27FC236}">
-                <a16:creationId xmlns:a16="http://schemas.microsoft.com/office/drawing/2014/main" id="{2318660B-B241-2707-7380-C5BCA6F8309C}"/>
+                <a16:creationId xmlns:a16="http://schemas.microsoft.com/office/drawing/2014/main" id="{FD848E67-C4DB-6A3A-9BD7-D725E7A7F8F5}"/>
               </a:ext>
             </a:extLst>
           </p:cNvPr>
@@ -9428,38 +9482,8 @@
         </p:blipFill>
         <p:spPr>
           <a:xfrm>
-            <a:off x="4344521" y="118054"/>
-            <a:ext cx="2381065" cy="1649223"/>
-          </a:xfrm>
-          <a:prstGeom prst="rect">
-            <a:avLst/>
-          </a:prstGeom>
-        </p:spPr>
-      </p:pic>
-      <p:pic>
-        <p:nvPicPr>
-          <p:cNvPr id="18" name="Grafik 17">
-            <a:extLst>
-              <a:ext uri="{FF2B5EF4-FFF2-40B4-BE49-F238E27FC236}">
-                <a16:creationId xmlns:a16="http://schemas.microsoft.com/office/drawing/2014/main" id="{64731F18-BA9D-CAC8-9C85-0F5EFEAB90EB}"/>
-              </a:ext>
-            </a:extLst>
-          </p:cNvPr>
-          <p:cNvPicPr>
-            <a:picLocks noChangeAspect="1"/>
-          </p:cNvPicPr>
-          <p:nvPr/>
-        </p:nvPicPr>
-        <p:blipFill>
-          <a:blip r:embed="rId4"/>
-          <a:stretch>
-            <a:fillRect/>
-          </a:stretch>
-        </p:blipFill>
-        <p:spPr>
-          <a:xfrm>
-            <a:off x="4116806" y="1775703"/>
-            <a:ext cx="2996134" cy="3249743"/>
+            <a:off x="3373586" y="0"/>
+            <a:ext cx="4135192" cy="5143500"/>
           </a:xfrm>
           <a:prstGeom prst="rect">
             <a:avLst/>
@@ -13215,6 +13239,13 @@
             <a:tailEnd type="none" w="med" len="med"/>
           </a:ln>
         </p:spPr>
+        <p:txBody>
+          <a:bodyPr/>
+          <a:lstStyle/>
+          <a:p>
+            <a:endParaRPr lang="de-DE"/>
+          </a:p>
+        </p:txBody>
       </p:sp>
     </p:spTree>
   </p:cSld>
@@ -13709,7 +13740,7 @@
           <a:p>
             <a:r>
               <a:rPr lang="de-DE" dirty="0"/>
-              <a:t>Python Grundlagen</a:t>
+              <a:t>Python 3 Grundlagen</a:t>
             </a:r>
           </a:p>
           <a:p>
@@ -13718,7 +13749,7 @@
           <a:p>
             <a:r>
               <a:rPr lang="de-DE" dirty="0"/>
-              <a:t>Mathe Grundlagen aus dem Abitur</a:t>
+              <a:t>Grundlagen mit eurem Betriebssystem</a:t>
             </a:r>
           </a:p>
           <a:p>
@@ -13726,10 +13757,18 @@
           </a:p>
           <a:p>
             <a:r>
-              <a:rPr lang="de-DE"/>
+              <a:rPr lang="de-DE" dirty="0"/>
+              <a:t>Mathe Grundlagen aus dem Abitur (Vektor, Matrix etc.)</a:t>
+            </a:r>
+          </a:p>
+          <a:p>
+            <a:endParaRPr lang="de-DE" dirty="0"/>
+          </a:p>
+          <a:p>
+            <a:r>
+              <a:rPr lang="de-DE" dirty="0"/>
               <a:t>Bock auf das Thema</a:t>
             </a:r>
-            <a:endParaRPr lang="de-DE" dirty="0"/>
           </a:p>
         </p:txBody>
       </p:sp>
